--- a/lesson22.pptx
+++ b/lesson22.pptx
@@ -5,7 +5,7 @@
     <p:sldMasterId id="2147483648" r:id="rId1"/>
   </p:sldMasterIdLst>
   <p:notesMasterIdLst>
-    <p:notesMasterId r:id="rId21"/>
+    <p:notesMasterId r:id="rId20"/>
   </p:notesMasterIdLst>
   <p:sldIdLst>
     <p:sldId id="359" r:id="rId2"/>
@@ -26,7 +26,6 @@
     <p:sldId id="348" r:id="rId17"/>
     <p:sldId id="357" r:id="rId18"/>
     <p:sldId id="358" r:id="rId19"/>
-    <p:sldId id="387" r:id="rId20"/>
   </p:sldIdLst>
   <p:sldSz cx="12192000" cy="6858000"/>
   <p:notesSz cx="6858000" cy="9144000"/>
@@ -144,16 +143,24 @@
 </p:presentation>
 </file>
 
-<file path=ppt/revisionInfo.xml><?xml version="1.0" encoding="utf-8"?>
-<p1510:revInfo xmlns:a="http://schemas.openxmlformats.org/drawingml/2006/main" xmlns:r="http://schemas.openxmlformats.org/officeDocument/2006/relationships" xmlns:p1510="http://schemas.microsoft.com/office/powerpoint/2015/10/main">
-  <p1510:revLst>
-    <p1510:client id="{A7570C84-5411-476A-9F6A-28C0EE0DEE22}" v="5" dt="2021-04-16T07:25:06.830"/>
-  </p1510:revLst>
-</p1510:revInfo>
-</file>
-
 <file path=ppt/changesInfos/changesInfo1.xml><?xml version="1.0" encoding="utf-8"?>
 <pc:chgInfo xmlns:a="http://schemas.openxmlformats.org/drawingml/2006/main" xmlns:r="http://schemas.openxmlformats.org/officeDocument/2006/relationships" xmlns:ac="http://schemas.microsoft.com/office/drawing/2013/main/command" xmlns:pc="http://schemas.microsoft.com/office/powerpoint/2013/main/command">
+  <pc:docChgLst>
+    <pc:chgData name="Anatoliy Kigel" userId="7432c6c4687b0a9c" providerId="LiveId" clId="{1E85E1A9-AECE-49DD-BF26-590ED85DCF6A}"/>
+    <pc:docChg chg="delSld">
+      <pc:chgData name="Anatoliy Kigel" userId="7432c6c4687b0a9c" providerId="LiveId" clId="{1E85E1A9-AECE-49DD-BF26-590ED85DCF6A}" dt="2021-06-14T08:47:40.345" v="0" actId="47"/>
+      <pc:docMkLst>
+        <pc:docMk/>
+      </pc:docMkLst>
+      <pc:sldChg chg="del">
+        <pc:chgData name="Anatoliy Kigel" userId="7432c6c4687b0a9c" providerId="LiveId" clId="{1E85E1A9-AECE-49DD-BF26-590ED85DCF6A}" dt="2021-06-14T08:47:40.345" v="0" actId="47"/>
+        <pc:sldMkLst>
+          <pc:docMk/>
+          <pc:sldMk cId="3522936592" sldId="387"/>
+        </pc:sldMkLst>
+      </pc:sldChg>
+    </pc:docChg>
+  </pc:docChgLst>
   <pc:docChgLst>
     <pc:chgData name="Anatoliy Kigel" userId="7432c6c4687b0a9c" providerId="LiveId" clId="{A7570C84-5411-476A-9F6A-28C0EE0DEE22}"/>
     <pc:docChg chg="undo custSel addSld delSld modSld sldOrd">
@@ -334,7 +341,7 @@
             <a:fld id="{85522811-C5C6-42D2-A409-F8556720C93F}" type="datetimeFigureOut">
               <a:rPr lang="uk-UA" smtClean="0"/>
               <a:pPr/>
-              <a:t>16.04.2021</a:t>
+              <a:t>14.06.2021</a:t>
             </a:fld>
             <a:endParaRPr lang="uk-UA"/>
           </a:p>
@@ -879,7 +886,7 @@
             <a:fld id="{0A2E6AC4-C3FE-4E70-88D1-136405B25267}" type="datetime1">
               <a:rPr lang="uk-UA" smtClean="0"/>
               <a:pPr/>
-              <a:t>16.04.2021</a:t>
+              <a:t>14.06.2021</a:t>
             </a:fld>
             <a:endParaRPr lang="uk-UA"/>
           </a:p>
@@ -1046,7 +1053,7 @@
             <a:fld id="{B4D85949-5AE9-41F1-B18C-DA1006B0E8CC}" type="datetime1">
               <a:rPr lang="uk-UA" smtClean="0"/>
               <a:pPr/>
-              <a:t>16.04.2021</a:t>
+              <a:t>14.06.2021</a:t>
             </a:fld>
             <a:endParaRPr lang="uk-UA"/>
           </a:p>
@@ -1223,7 +1230,7 @@
             <a:fld id="{B20C227C-94C5-4BA1-A89C-1C7570144B22}" type="datetime1">
               <a:rPr lang="uk-UA" smtClean="0"/>
               <a:pPr/>
-              <a:t>16.04.2021</a:t>
+              <a:t>14.06.2021</a:t>
             </a:fld>
             <a:endParaRPr lang="uk-UA"/>
           </a:p>
@@ -1390,7 +1397,7 @@
             <a:fld id="{68E2E168-B245-4D8D-8538-B29990DBF87B}" type="datetime1">
               <a:rPr lang="uk-UA" smtClean="0"/>
               <a:pPr/>
-              <a:t>16.04.2021</a:t>
+              <a:t>14.06.2021</a:t>
             </a:fld>
             <a:endParaRPr lang="uk-UA"/>
           </a:p>
@@ -1633,7 +1640,7 @@
             <a:fld id="{356DAF6E-7007-4E61-B36E-794BF232B234}" type="datetime1">
               <a:rPr lang="uk-UA" smtClean="0"/>
               <a:pPr/>
-              <a:t>16.04.2021</a:t>
+              <a:t>14.06.2021</a:t>
             </a:fld>
             <a:endParaRPr lang="uk-UA"/>
           </a:p>
@@ -1918,7 +1925,7 @@
             <a:fld id="{4B2141DD-FE72-44AA-B946-B70892F1F5B7}" type="datetime1">
               <a:rPr lang="uk-UA" smtClean="0"/>
               <a:pPr/>
-              <a:t>16.04.2021</a:t>
+              <a:t>14.06.2021</a:t>
             </a:fld>
             <a:endParaRPr lang="uk-UA"/>
           </a:p>
@@ -2337,7 +2344,7 @@
             <a:fld id="{D1C4DC7C-6CC4-4D1F-A21B-A650800E0532}" type="datetime1">
               <a:rPr lang="uk-UA" smtClean="0"/>
               <a:pPr/>
-              <a:t>16.04.2021</a:t>
+              <a:t>14.06.2021</a:t>
             </a:fld>
             <a:endParaRPr lang="uk-UA"/>
           </a:p>
@@ -2452,7 +2459,7 @@
             <a:fld id="{09E753FA-BE70-4E9D-A1A2-A798C2E22C2C}" type="datetime1">
               <a:rPr lang="uk-UA" smtClean="0"/>
               <a:pPr/>
-              <a:t>16.04.2021</a:t>
+              <a:t>14.06.2021</a:t>
             </a:fld>
             <a:endParaRPr lang="uk-UA"/>
           </a:p>
@@ -2544,7 +2551,7 @@
             <a:fld id="{BC4E9D1B-A194-48C6-B5A1-4C29D0F81227}" type="datetime1">
               <a:rPr lang="uk-UA" smtClean="0"/>
               <a:pPr/>
-              <a:t>16.04.2021</a:t>
+              <a:t>14.06.2021</a:t>
             </a:fld>
             <a:endParaRPr lang="uk-UA"/>
           </a:p>
@@ -2818,7 +2825,7 @@
             <a:fld id="{98DC5B78-3AEE-4E8C-84A2-DF8B252C6B7D}" type="datetime1">
               <a:rPr lang="uk-UA" smtClean="0"/>
               <a:pPr/>
-              <a:t>16.04.2021</a:t>
+              <a:t>14.06.2021</a:t>
             </a:fld>
             <a:endParaRPr lang="uk-UA"/>
           </a:p>
@@ -3068,7 +3075,7 @@
             <a:fld id="{08E6AC05-7690-4D29-B090-15CFA8055B58}" type="datetime1">
               <a:rPr lang="uk-UA" smtClean="0"/>
               <a:pPr/>
-              <a:t>16.04.2021</a:t>
+              <a:t>14.06.2021</a:t>
             </a:fld>
             <a:endParaRPr lang="uk-UA"/>
           </a:p>
@@ -3278,7 +3285,7 @@
             <a:fld id="{C4778AB5-85A2-4D58-9351-A198925B541D}" type="datetime1">
               <a:rPr lang="uk-UA" smtClean="0"/>
               <a:pPr/>
-              <a:t>16.04.2021</a:t>
+              <a:t>14.06.2021</a:t>
             </a:fld>
             <a:endParaRPr lang="uk-UA"/>
           </a:p>
@@ -5854,633 +5861,6 @@
     <p:extLst>
       <p:ext uri="{BB962C8B-B14F-4D97-AF65-F5344CB8AC3E}">
         <p14:creationId xmlns:p14="http://schemas.microsoft.com/office/powerpoint/2010/main" val="1849255850"/>
-      </p:ext>
-    </p:extLst>
-  </p:cSld>
-  <p:clrMapOvr>
-    <a:masterClrMapping/>
-  </p:clrMapOvr>
-</p:sld>
-</file>
-
-<file path=ppt/slides/slide19.xml><?xml version="1.0" encoding="utf-8"?>
-<p:sld xmlns:a="http://schemas.openxmlformats.org/drawingml/2006/main" xmlns:r="http://schemas.openxmlformats.org/officeDocument/2006/relationships" xmlns:p="http://schemas.openxmlformats.org/presentationml/2006/main">
-  <p:cSld>
-    <p:spTree>
-      <p:nvGrpSpPr>
-        <p:cNvPr id="1" name=""/>
-        <p:cNvGrpSpPr/>
-        <p:nvPr/>
-      </p:nvGrpSpPr>
-      <p:grpSpPr>
-        <a:xfrm>
-          <a:off x="0" y="0"/>
-          <a:ext cx="0" cy="0"/>
-          <a:chOff x="0" y="0"/>
-          <a:chExt cx="0" cy="0"/>
-        </a:xfrm>
-      </p:grpSpPr>
-      <p:sp>
-        <p:nvSpPr>
-          <p:cNvPr id="8" name="Номер слайда 36"/>
-          <p:cNvSpPr txBox="1">
-            <a:spLocks/>
-          </p:cNvSpPr>
-          <p:nvPr/>
-        </p:nvSpPr>
-        <p:spPr>
-          <a:xfrm>
-            <a:off x="11208568" y="6093296"/>
-            <a:ext cx="648072" cy="432048"/>
-          </a:xfrm>
-          <a:prstGeom prst="roundRect">
-            <a:avLst/>
-          </a:prstGeom>
-          <a:ln w="25400" cap="flat" cmpd="sng" algn="ctr">
-            <a:solidFill>
-              <a:schemeClr val="tx2">
-                <a:lumMod val="60000"/>
-                <a:lumOff val="40000"/>
-              </a:schemeClr>
-            </a:solidFill>
-            <a:prstDash val="solid"/>
-          </a:ln>
-        </p:spPr>
-        <p:style>
-          <a:lnRef idx="2">
-            <a:schemeClr val="accent1"/>
-          </a:lnRef>
-          <a:fillRef idx="1">
-            <a:schemeClr val="lt1"/>
-          </a:fillRef>
-          <a:effectRef idx="0">
-            <a:schemeClr val="accent1"/>
-          </a:effectRef>
-          <a:fontRef idx="minor">
-            <a:schemeClr val="dk1"/>
-          </a:fontRef>
-        </p:style>
-        <p:txBody>
-          <a:bodyPr vert="horz" lIns="91440" tIns="45720" rIns="91440" bIns="45720" rtlCol="0" anchor="ctr"/>
-          <a:lstStyle/>
-          <a:p>
-            <a:pPr algn="ctr">
-              <a:defRPr/>
-            </a:pPr>
-            <a:fld id="{6389AA22-90B4-448C-8B6B-C699140D38B9}" type="slidenum">
-              <a:rPr lang="uk-UA" sz="2400" b="1">
-                <a:solidFill>
-                  <a:schemeClr val="bg1">
-                    <a:lumMod val="50000"/>
-                  </a:schemeClr>
-                </a:solidFill>
-              </a:rPr>
-              <a:pPr algn="ctr">
-                <a:defRPr/>
-              </a:pPr>
-              <a:t>19</a:t>
-            </a:fld>
-            <a:endParaRPr lang="uk-UA" sz="2400" b="1" dirty="0">
-              <a:solidFill>
-                <a:schemeClr val="bg1">
-                  <a:lumMod val="50000"/>
-                </a:schemeClr>
-              </a:solidFill>
-            </a:endParaRPr>
-          </a:p>
-        </p:txBody>
-      </p:sp>
-      <p:sp>
-        <p:nvSpPr>
-          <p:cNvPr id="10" name="TextBox 9"/>
-          <p:cNvSpPr txBox="1"/>
-          <p:nvPr/>
-        </p:nvSpPr>
-        <p:spPr>
-          <a:xfrm>
-            <a:off x="582075" y="4586352"/>
-            <a:ext cx="10009112" cy="1938992"/>
-          </a:xfrm>
-          <a:prstGeom prst="rect">
-            <a:avLst/>
-          </a:prstGeom>
-          <a:noFill/>
-        </p:spPr>
-        <p:txBody>
-          <a:bodyPr wrap="square" rtlCol="0">
-            <a:spAutoFit/>
-          </a:bodyPr>
-          <a:lstStyle/>
-          <a:p>
-            <a:r>
-              <a:rPr lang="ru-RU" sz="2000" b="1" dirty="0"/>
-              <a:t>Задача: </a:t>
-            </a:r>
-            <a:r>
-              <a:rPr lang="ru-RU" sz="2000" dirty="0"/>
-              <a:t>в массиве содержаться данные о ежедневной цене </a:t>
-            </a:r>
-            <a:r>
-              <a:rPr lang="ru-RU" sz="2000" dirty="0" err="1"/>
-              <a:t>биткоина</a:t>
-            </a:r>
-            <a:r>
-              <a:rPr lang="ru-RU" sz="2000" dirty="0"/>
-              <a:t> (</a:t>
-            </a:r>
-            <a:r>
-              <a:rPr lang="ru-RU" sz="2000" b="1" dirty="0"/>
-              <a:t>длина массива и его содержимое может меняться</a:t>
-            </a:r>
-            <a:r>
-              <a:rPr lang="ru-RU" sz="2000" dirty="0"/>
-              <a:t>), за какое-то количество дней. Скрипт должен </a:t>
-            </a:r>
-            <a:r>
-              <a:rPr lang="ru-RU" sz="2000" b="1" dirty="0">
-                <a:solidFill>
-                  <a:srgbClr val="00B050"/>
-                </a:solidFill>
-              </a:rPr>
-              <a:t>рассчитать какую максимальную прибыль </a:t>
-            </a:r>
-            <a:r>
-              <a:rPr lang="ru-RU" sz="2000" dirty="0"/>
-              <a:t>(и сообщить её пользователю) можно получить если сначала купить </a:t>
-            </a:r>
-            <a:r>
-              <a:rPr lang="ru-RU" sz="2000" dirty="0" err="1"/>
-              <a:t>биткоин</a:t>
-            </a:r>
-            <a:r>
-              <a:rPr lang="ru-RU" sz="2000" dirty="0"/>
-              <a:t>, а затем продать его (именно в такой последовательности, продать раньше чем купить нельзя). Можно совершить только одну покупку и одну продажу. </a:t>
-            </a:r>
-            <a:r>
-              <a:rPr lang="ru-RU" sz="2000" b="1" dirty="0"/>
-              <a:t>Цикл внутри цикла </a:t>
-            </a:r>
-            <a:r>
-              <a:rPr lang="ru-RU" sz="2000" dirty="0"/>
-              <a:t>поможем справится с этой задачей.</a:t>
-            </a:r>
-          </a:p>
-        </p:txBody>
-      </p:sp>
-      <p:sp>
-        <p:nvSpPr>
-          <p:cNvPr id="2" name="TextBox 1"/>
-          <p:cNvSpPr txBox="1"/>
-          <p:nvPr/>
-        </p:nvSpPr>
-        <p:spPr>
-          <a:xfrm>
-            <a:off x="1775520" y="2843645"/>
-            <a:ext cx="7064755" cy="646331"/>
-          </a:xfrm>
-          <a:prstGeom prst="rect">
-            <a:avLst/>
-          </a:prstGeom>
-          <a:noFill/>
-        </p:spPr>
-        <p:txBody>
-          <a:bodyPr wrap="none" rtlCol="0">
-            <a:spAutoFit/>
-          </a:bodyPr>
-          <a:lstStyle/>
-          <a:p>
-            <a:r>
-              <a:rPr lang="en-US" sz="3600" dirty="0"/>
-              <a:t>[</a:t>
-            </a:r>
-            <a:r>
-              <a:rPr lang="ru-RU" sz="3600" dirty="0"/>
-              <a:t>10, 1</a:t>
-            </a:r>
-            <a:r>
-              <a:rPr lang="en-US" sz="3600" dirty="0"/>
-              <a:t>8, </a:t>
-            </a:r>
-            <a:r>
-              <a:rPr lang="ru-RU" sz="3600" dirty="0"/>
-              <a:t>33</a:t>
-            </a:r>
-            <a:r>
-              <a:rPr lang="en-US" sz="3600" dirty="0"/>
-              <a:t>, 7,</a:t>
-            </a:r>
-            <a:r>
-              <a:rPr lang="ru-RU" sz="3600" dirty="0"/>
-              <a:t> 31, </a:t>
-            </a:r>
-            <a:r>
-              <a:rPr lang="ru-RU" sz="3600" b="1" dirty="0">
-                <a:solidFill>
-                  <a:srgbClr val="0070C0"/>
-                </a:solidFill>
-              </a:rPr>
-              <a:t>3</a:t>
-            </a:r>
-            <a:r>
-              <a:rPr lang="ru-RU" sz="3600" dirty="0"/>
-              <a:t>, 8, 22, </a:t>
-            </a:r>
-            <a:r>
-              <a:rPr lang="ru-RU" sz="3600" b="1" dirty="0">
-                <a:solidFill>
-                  <a:srgbClr val="00B050"/>
-                </a:solidFill>
-              </a:rPr>
-              <a:t>29</a:t>
-            </a:r>
-            <a:r>
-              <a:rPr lang="ru-RU" sz="3600" dirty="0"/>
-              <a:t>, 7, 8 …</a:t>
-            </a:r>
-            <a:r>
-              <a:rPr lang="en-US" sz="3600" dirty="0"/>
-              <a:t>]</a:t>
-            </a:r>
-            <a:endParaRPr lang="uk-UA" sz="3600" dirty="0"/>
-          </a:p>
-        </p:txBody>
-      </p:sp>
-      <p:sp>
-        <p:nvSpPr>
-          <p:cNvPr id="3" name="Стрелка вниз 2"/>
-          <p:cNvSpPr/>
-          <p:nvPr/>
-        </p:nvSpPr>
-        <p:spPr>
-          <a:xfrm>
-            <a:off x="5055870" y="2357335"/>
-            <a:ext cx="432048" cy="484569"/>
-          </a:xfrm>
-          <a:prstGeom prst="downArrow">
-            <a:avLst/>
-          </a:prstGeom>
-          <a:noFill/>
-        </p:spPr>
-        <p:style>
-          <a:lnRef idx="2">
-            <a:schemeClr val="accent1">
-              <a:shade val="50000"/>
-            </a:schemeClr>
-          </a:lnRef>
-          <a:fillRef idx="1">
-            <a:schemeClr val="accent1"/>
-          </a:fillRef>
-          <a:effectRef idx="0">
-            <a:schemeClr val="accent1"/>
-          </a:effectRef>
-          <a:fontRef idx="minor">
-            <a:schemeClr val="lt1"/>
-          </a:fontRef>
-        </p:style>
-        <p:txBody>
-          <a:bodyPr rtlCol="0" anchor="ctr"/>
-          <a:lstStyle/>
-          <a:p>
-            <a:pPr algn="ctr"/>
-            <a:endParaRPr lang="uk-UA"/>
-          </a:p>
-        </p:txBody>
-      </p:sp>
-      <p:sp>
-        <p:nvSpPr>
-          <p:cNvPr id="4" name="TextBox 3"/>
-          <p:cNvSpPr txBox="1"/>
-          <p:nvPr/>
-        </p:nvSpPr>
-        <p:spPr>
-          <a:xfrm>
-            <a:off x="4690517" y="1896507"/>
-            <a:ext cx="1162754" cy="369332"/>
-          </a:xfrm>
-          <a:prstGeom prst="rect">
-            <a:avLst/>
-          </a:prstGeom>
-          <a:solidFill>
-            <a:schemeClr val="accent5">
-              <a:lumMod val="20000"/>
-              <a:lumOff val="80000"/>
-            </a:schemeClr>
-          </a:solidFill>
-          <a:ln>
-            <a:solidFill>
-              <a:schemeClr val="tx1"/>
-            </a:solidFill>
-            <a:prstDash val="sysDot"/>
-          </a:ln>
-        </p:spPr>
-        <p:txBody>
-          <a:bodyPr wrap="none" rtlCol="0">
-            <a:spAutoFit/>
-          </a:bodyPr>
-          <a:lstStyle/>
-          <a:p>
-            <a:r>
-              <a:rPr lang="ru-RU" dirty="0"/>
-              <a:t>Покупаем</a:t>
-            </a:r>
-            <a:endParaRPr lang="uk-UA" dirty="0"/>
-          </a:p>
-        </p:txBody>
-      </p:sp>
-      <p:sp>
-        <p:nvSpPr>
-          <p:cNvPr id="12" name="Стрелка вниз 11"/>
-          <p:cNvSpPr/>
-          <p:nvPr/>
-        </p:nvSpPr>
-        <p:spPr>
-          <a:xfrm rot="10800000">
-            <a:off x="6784062" y="3489976"/>
-            <a:ext cx="432048" cy="484569"/>
-          </a:xfrm>
-          <a:prstGeom prst="downArrow">
-            <a:avLst/>
-          </a:prstGeom>
-          <a:noFill/>
-          <a:ln>
-            <a:solidFill>
-              <a:srgbClr val="00B050"/>
-            </a:solidFill>
-          </a:ln>
-        </p:spPr>
-        <p:style>
-          <a:lnRef idx="2">
-            <a:schemeClr val="accent1">
-              <a:shade val="50000"/>
-            </a:schemeClr>
-          </a:lnRef>
-          <a:fillRef idx="1">
-            <a:schemeClr val="accent1"/>
-          </a:fillRef>
-          <a:effectRef idx="0">
-            <a:schemeClr val="accent1"/>
-          </a:effectRef>
-          <a:fontRef idx="minor">
-            <a:schemeClr val="lt1"/>
-          </a:fontRef>
-        </p:style>
-        <p:txBody>
-          <a:bodyPr rtlCol="0" anchor="ctr"/>
-          <a:lstStyle/>
-          <a:p>
-            <a:pPr algn="ctr"/>
-            <a:endParaRPr lang="uk-UA"/>
-          </a:p>
-        </p:txBody>
-      </p:sp>
-      <p:sp>
-        <p:nvSpPr>
-          <p:cNvPr id="13" name="TextBox 12"/>
-          <p:cNvSpPr txBox="1"/>
-          <p:nvPr/>
-        </p:nvSpPr>
-        <p:spPr>
-          <a:xfrm>
-            <a:off x="6462791" y="4067780"/>
-            <a:ext cx="1074590" cy="369332"/>
-          </a:xfrm>
-          <a:prstGeom prst="rect">
-            <a:avLst/>
-          </a:prstGeom>
-          <a:solidFill>
-            <a:schemeClr val="accent3">
-              <a:lumMod val="20000"/>
-              <a:lumOff val="80000"/>
-            </a:schemeClr>
-          </a:solidFill>
-          <a:ln>
-            <a:solidFill>
-              <a:schemeClr val="tx1"/>
-            </a:solidFill>
-            <a:prstDash val="sysDot"/>
-          </a:ln>
-        </p:spPr>
-        <p:txBody>
-          <a:bodyPr wrap="none" rtlCol="0">
-            <a:spAutoFit/>
-          </a:bodyPr>
-          <a:lstStyle/>
-          <a:p>
-            <a:r>
-              <a:rPr lang="ru-RU" dirty="0"/>
-              <a:t>Продаём</a:t>
-            </a:r>
-            <a:endParaRPr lang="uk-UA" dirty="0"/>
-          </a:p>
-        </p:txBody>
-      </p:sp>
-      <p:sp>
-        <p:nvSpPr>
-          <p:cNvPr id="6" name="TextBox 5"/>
-          <p:cNvSpPr txBox="1"/>
-          <p:nvPr/>
-        </p:nvSpPr>
-        <p:spPr>
-          <a:xfrm>
-            <a:off x="1829316" y="3872082"/>
-            <a:ext cx="2101857" cy="461665"/>
-          </a:xfrm>
-          <a:prstGeom prst="rect">
-            <a:avLst/>
-          </a:prstGeom>
-          <a:noFill/>
-        </p:spPr>
-        <p:txBody>
-          <a:bodyPr wrap="none" rtlCol="0">
-            <a:spAutoFit/>
-          </a:bodyPr>
-          <a:lstStyle/>
-          <a:p>
-            <a:r>
-              <a:rPr lang="ru-RU" sz="2400" b="1" dirty="0"/>
-              <a:t>Прибыль: 26</a:t>
-            </a:r>
-            <a:r>
-              <a:rPr lang="en-US" sz="2400" b="1" dirty="0"/>
-              <a:t>$</a:t>
-            </a:r>
-            <a:endParaRPr lang="uk-UA" sz="2400" b="1" dirty="0"/>
-          </a:p>
-        </p:txBody>
-      </p:sp>
-      <p:sp>
-        <p:nvSpPr>
-          <p:cNvPr id="11" name="TextBox 10"/>
-          <p:cNvSpPr txBox="1"/>
-          <p:nvPr/>
-        </p:nvSpPr>
-        <p:spPr>
-          <a:xfrm>
-            <a:off x="0" y="260648"/>
-            <a:ext cx="12191999" cy="707886"/>
-          </a:xfrm>
-          <a:prstGeom prst="rect">
-            <a:avLst/>
-          </a:prstGeom>
-          <a:noFill/>
-        </p:spPr>
-        <p:txBody>
-          <a:bodyPr wrap="square" rtlCol="0">
-            <a:spAutoFit/>
-          </a:bodyPr>
-          <a:lstStyle/>
-          <a:p>
-            <a:pPr algn="ctr"/>
-            <a:r>
-              <a:rPr lang="ru-RU" sz="4000" b="1" dirty="0"/>
-              <a:t>Домашнее задание </a:t>
-            </a:r>
-            <a:r>
-              <a:rPr lang="en-US" sz="4000" b="1" dirty="0">
-                <a:solidFill>
-                  <a:srgbClr val="00B050"/>
-                </a:solidFill>
-              </a:rPr>
-              <a:t>#C2</a:t>
-            </a:r>
-            <a:endParaRPr lang="ru-RU" sz="4000" b="1" dirty="0">
-              <a:solidFill>
-                <a:srgbClr val="00B050"/>
-              </a:solidFill>
-            </a:endParaRPr>
-          </a:p>
-        </p:txBody>
-      </p:sp>
-      <p:sp>
-        <p:nvSpPr>
-          <p:cNvPr id="7" name="Прямоугольник 6"/>
-          <p:cNvSpPr/>
-          <p:nvPr/>
-        </p:nvSpPr>
-        <p:spPr>
-          <a:xfrm rot="1544022">
-            <a:off x="8698401" y="1838846"/>
-            <a:ext cx="2356158" cy="584775"/>
-          </a:xfrm>
-          <a:prstGeom prst="rect">
-            <a:avLst/>
-          </a:prstGeom>
-          <a:solidFill>
-            <a:schemeClr val="accent6">
-              <a:lumMod val="40000"/>
-              <a:lumOff val="60000"/>
-            </a:schemeClr>
-          </a:solidFill>
-          <a:ln w="28575">
-            <a:solidFill>
-              <a:schemeClr val="accent6">
-                <a:lumMod val="75000"/>
-              </a:schemeClr>
-            </a:solidFill>
-          </a:ln>
-        </p:spPr>
-        <p:txBody>
-          <a:bodyPr wrap="none">
-            <a:spAutoFit/>
-          </a:bodyPr>
-          <a:lstStyle/>
-          <a:p>
-            <a:r>
-              <a:rPr lang="en-US" sz="3200" b="1" dirty="0">
-                <a:solidFill>
-                  <a:srgbClr val="FF0000"/>
-                </a:solidFill>
-              </a:rPr>
-              <a:t>C</a:t>
-            </a:r>
-            <a:r>
-              <a:rPr lang="uk-UA" sz="3200" b="1" dirty="0" err="1">
-                <a:solidFill>
-                  <a:srgbClr val="FF0000"/>
-                </a:solidFill>
-              </a:rPr>
-              <a:t>ложн</a:t>
-            </a:r>
-            <a:r>
-              <a:rPr lang="ru-RU" sz="3200" b="1" dirty="0" err="1">
-                <a:solidFill>
-                  <a:srgbClr val="FF0000"/>
-                </a:solidFill>
-              </a:rPr>
-              <a:t>ое</a:t>
-            </a:r>
-            <a:r>
-              <a:rPr lang="ru-RU" sz="3200" b="1" dirty="0">
-                <a:solidFill>
-                  <a:srgbClr val="FF0000"/>
-                </a:solidFill>
-              </a:rPr>
-              <a:t> ДЗ</a:t>
-            </a:r>
-            <a:endParaRPr lang="ru-RU" sz="3200" dirty="0"/>
-          </a:p>
-        </p:txBody>
-      </p:sp>
-      <p:sp>
-        <p:nvSpPr>
-          <p:cNvPr id="14" name="Заголовок 6">
-            <a:extLst>
-              <a:ext uri="{FF2B5EF4-FFF2-40B4-BE49-F238E27FC236}">
-                <a16:creationId xmlns:a16="http://schemas.microsoft.com/office/drawing/2014/main" id="{8ECB4957-EBD5-4A9B-8ED7-6A20257062D4}"/>
-              </a:ext>
-            </a:extLst>
-          </p:cNvPr>
-          <p:cNvSpPr>
-            <a:spLocks noGrp="1"/>
-          </p:cNvSpPr>
-          <p:nvPr>
-            <p:ph type="title"/>
-          </p:nvPr>
-        </p:nvSpPr>
-        <p:spPr>
-          <a:xfrm>
-            <a:off x="0" y="980728"/>
-            <a:ext cx="12192000" cy="792088"/>
-          </a:xfrm>
-        </p:spPr>
-        <p:txBody>
-          <a:bodyPr>
-            <a:noAutofit/>
-          </a:bodyPr>
-          <a:lstStyle/>
-          <a:p>
-            <a:r>
-              <a:rPr lang="uk-UA" sz="2800" b="1" dirty="0"/>
-              <a:t>«</a:t>
-            </a:r>
-            <a:r>
-              <a:rPr lang="uk-UA" sz="2800" b="1" dirty="0" err="1"/>
-              <a:t>Цена</a:t>
-            </a:r>
-            <a:r>
-              <a:rPr lang="uk-UA" sz="2800" b="1" dirty="0"/>
-              <a:t> </a:t>
-            </a:r>
-            <a:r>
-              <a:rPr lang="uk-UA" sz="2800" b="1" dirty="0" err="1"/>
-              <a:t>Биткоина</a:t>
-            </a:r>
-            <a:r>
-              <a:rPr lang="uk-UA" sz="2800" b="1" dirty="0"/>
-              <a:t>»</a:t>
-            </a:r>
-            <a:endParaRPr lang="ru-RU" sz="2800" b="1" dirty="0">
-              <a:solidFill>
-                <a:srgbClr val="00B050"/>
-              </a:solidFill>
-            </a:endParaRPr>
-          </a:p>
-        </p:txBody>
-      </p:sp>
-    </p:spTree>
-    <p:extLst>
-      <p:ext uri="{BB962C8B-B14F-4D97-AF65-F5344CB8AC3E}">
-        <p14:creationId xmlns:p14="http://schemas.microsoft.com/office/powerpoint/2010/main" val="3522936592"/>
       </p:ext>
     </p:extLst>
   </p:cSld>
